--- a/database/slides/GLORIA_(MASS_OF_CREATION).pptx
+++ b/database/slides/GLORIA_(MASS_OF_CREATION).pptx
@@ -15827,7 +15827,13 @@
       </p:sp>
       <p:sp>
         <p:nvSpPr>
-          <p:cNvPr id="131" name="Google Shape;131;p25"/>
+          <p:cNvPr id="2" name="Google Shape;131;p25">
+            <a:extLst>
+              <a:ext uri="{FF2B5EF4-FFF2-40B4-BE49-F238E27FC236}">
+                <a16:creationId xmlns:a16="http://schemas.microsoft.com/office/drawing/2014/main" id="{29BF84BF-FC0E-BEBF-DD6A-AA4CFD145BED}"/>
+              </a:ext>
+            </a:extLst>
+          </p:cNvPr>
           <p:cNvSpPr txBox="1"/>
           <p:nvPr/>
         </p:nvSpPr>
@@ -15865,7 +15871,7 @@
               <a:buNone/>
             </a:pPr>
             <a:r>
-              <a:rPr lang="en-GB" sz="3600" b="1" i="1">
+              <a:rPr lang="en-GB" sz="3600" b="1" i="1" dirty="0">
                 <a:solidFill>
                   <a:srgbClr val="FFFF00"/>
                 </a:solidFill>
@@ -15876,7 +15882,7 @@
               </a:rPr>
               <a:t>contd..</a:t>
             </a:r>
-            <a:endParaRPr sz="3600">
+            <a:endParaRPr sz="3600" dirty="0">
               <a:latin typeface="Calibri"/>
               <a:ea typeface="Calibri"/>
               <a:cs typeface="Calibri"/>
@@ -16203,7 +16209,13 @@
       </p:sp>
       <p:sp>
         <p:nvSpPr>
-          <p:cNvPr id="131" name="Google Shape;131;p25"/>
+          <p:cNvPr id="2" name="Google Shape;131;p25">
+            <a:extLst>
+              <a:ext uri="{FF2B5EF4-FFF2-40B4-BE49-F238E27FC236}">
+                <a16:creationId xmlns:a16="http://schemas.microsoft.com/office/drawing/2014/main" id="{6D0904B9-8A50-20D7-C298-78FBF4406056}"/>
+              </a:ext>
+            </a:extLst>
+          </p:cNvPr>
           <p:cNvSpPr txBox="1"/>
           <p:nvPr/>
         </p:nvSpPr>
@@ -16241,7 +16253,7 @@
               <a:buNone/>
             </a:pPr>
             <a:r>
-              <a:rPr lang="en-GB" sz="3600" b="1" i="1">
+              <a:rPr lang="en-GB" sz="3600" b="1" i="1" dirty="0">
                 <a:solidFill>
                   <a:srgbClr val="FFFF00"/>
                 </a:solidFill>
@@ -16252,7 +16264,7 @@
               </a:rPr>
               <a:t>contd..</a:t>
             </a:r>
-            <a:endParaRPr sz="3600">
+            <a:endParaRPr sz="3600" dirty="0">
               <a:latin typeface="Calibri"/>
               <a:ea typeface="Calibri"/>
               <a:cs typeface="Calibri"/>

--- a/database/slides/GLORIA_(MASS_OF_CREATION).pptx
+++ b/database/slides/GLORIA_(MASS_OF_CREATION).pptx
@@ -16014,26 +16014,6 @@
               <a:buSzPts val="2000"/>
               <a:buNone/>
             </a:pPr>
-            <a:r>
-              <a:rPr lang="en-US" sz="3600" b="1" i="1" dirty="0">
-                <a:solidFill>
-                  <a:schemeClr val="bg1"/>
-                </a:solidFill>
-              </a:rPr>
-              <a:t>Glory to God in the highest and on earth peace to people of good will.</a:t>
-            </a:r>
-          </a:p>
-          <a:p>
-            <a:pPr marL="114300" indent="0">
-              <a:spcBef>
-                <a:spcPts val="0"/>
-              </a:spcBef>
-              <a:buClr>
-                <a:srgbClr val="00FF00"/>
-              </a:buClr>
-              <a:buSzPts val="2000"/>
-              <a:buNone/>
-            </a:pPr>
             <a:endParaRPr lang="en-US" sz="3600" b="1" dirty="0">
               <a:solidFill>
                 <a:schemeClr val="bg1"/>
@@ -16390,26 +16370,6 @@
             <a:noAutofit/>
           </a:bodyPr>
           <a:lstStyle/>
-          <a:p>
-            <a:pPr marL="114300" indent="0">
-              <a:spcBef>
-                <a:spcPts val="0"/>
-              </a:spcBef>
-              <a:buClr>
-                <a:srgbClr val="00FF00"/>
-              </a:buClr>
-              <a:buSzPts val="2000"/>
-              <a:buNone/>
-            </a:pPr>
-            <a:r>
-              <a:rPr lang="en-US" sz="3600" b="1" i="1" dirty="0">
-                <a:solidFill>
-                  <a:schemeClr val="bg1"/>
-                </a:solidFill>
-              </a:rPr>
-              <a:t>Glory to God in the highest and on earth peace to people of good will.</a:t>
-            </a:r>
-          </a:p>
           <a:p>
             <a:pPr marL="114300" indent="0">
               <a:spcBef>
